--- a/07-Egil/DevOps_historier_og_eksempler_26.02.2021.pptx
+++ b/07-Egil/DevOps_historier_og_eksempler_26.02.2021.pptx
@@ -221,7 +221,7 @@
           <a:p>
             <a:fld id="{D08823B3-E330-4DD2-96EE-DB1914DA4E92}" type="datetimeFigureOut">
               <a:rPr lang="en-GB"/>
-              <a:t>24/02/2021</a:t>
+              <a:t>25/02/2021</a:t>
             </a:fld>
             <a:endParaRPr lang="en-GB" dirty="0"/>
           </a:p>
@@ -386,7 +386,7 @@
           <a:p>
             <a:fld id="{2FBFD012-083A-4920-A768-D90A3AF77F02}" type="datetimeFigureOut">
               <a:rPr lang="en-GB"/>
-              <a:t>24/02/2021</a:t>
+              <a:t>25/02/2021</a:t>
             </a:fld>
             <a:endParaRPr lang="en-GB" dirty="0"/>
           </a:p>
@@ -8829,6 +8829,53 @@
           </a:lstStyle>
           <a:p>
             <a:endParaRPr lang="da-DK" dirty="0"/>
+          </a:p>
+        </p:txBody>
+      </p:sp>
+      <p:sp>
+        <p:nvSpPr>
+          <p:cNvPr id="6" name="TextBox 5">
+            <a:extLst>
+              <a:ext uri="{FF2B5EF4-FFF2-40B4-BE49-F238E27FC236}">
+                <a16:creationId xmlns:a16="http://schemas.microsoft.com/office/drawing/2014/main" id="{25D13D50-ABA8-451F-8B5C-DC3C992A37A4}"/>
+              </a:ext>
+            </a:extLst>
+          </p:cNvPr>
+          <p:cNvSpPr txBox="1"/>
+          <p:nvPr userDrawn="1">
+            <p:extLst>
+              <p:ext uri="{1162E1C5-73C7-4A58-AE30-91384D911F3F}">
+                <p184:classification xmlns:p184="http://schemas.microsoft.com/office/powerpoint/2018/4/main" val="ftr"/>
+              </p:ext>
+            </p:extLst>
+          </p:nvPr>
+        </p:nvSpPr>
+        <p:spPr>
+          <a:xfrm>
+            <a:off x="0" y="6736080"/>
+            <a:ext cx="817563" cy="121920"/>
+          </a:xfrm>
+          <a:prstGeom prst="rect">
+            <a:avLst/>
+          </a:prstGeom>
+        </p:spPr>
+        <p:txBody>
+          <a:bodyPr horzOverflow="overflow" lIns="0" tIns="0" rIns="0" bIns="0">
+            <a:spAutoFit/>
+          </a:bodyPr>
+          <a:lstStyle/>
+          <a:p>
+            <a:pPr algn="l"/>
+            <a:r>
+              <a:rPr lang="nb-NO" sz="800">
+                <a:solidFill>
+                  <a:srgbClr val="000000"/>
+                </a:solidFill>
+                <a:latin typeface="Calibri" panose="020F0502020204030204" pitchFamily="34" charset="0"/>
+                <a:cs typeface="Calibri" panose="020F0502020204030204" pitchFamily="34" charset="0"/>
+              </a:rPr>
+              <a:t>Sensitivity: Internal</a:t>
+            </a:r>
           </a:p>
         </p:txBody>
       </p:sp>
@@ -9233,41 +9280,38 @@
       </p:grpSpPr>
       <p:pic>
         <p:nvPicPr>
-          <p:cNvPr id="4" name="Picture 2">
+          <p:cNvPr id="7" name="Picture 6" descr="Clouds in a blue cloudy sky&#10;&#10;Description automatically generated">
             <a:extLst>
               <a:ext uri="{FF2B5EF4-FFF2-40B4-BE49-F238E27FC236}">
-                <a16:creationId xmlns:a16="http://schemas.microsoft.com/office/drawing/2014/main" id="{39124651-0FEE-4544-8813-B7D1E3CAF02F}"/>
+                <a16:creationId xmlns:a16="http://schemas.microsoft.com/office/drawing/2014/main" id="{67369C68-9130-4088-AB76-89AFEB7DC231}"/>
               </a:ext>
             </a:extLst>
           </p:cNvPr>
           <p:cNvPicPr>
-            <a:picLocks noChangeAspect="1" noChangeArrowheads="1"/>
+            <a:picLocks noChangeAspect="1"/>
           </p:cNvPicPr>
           <p:nvPr/>
         </p:nvPicPr>
-        <p:blipFill>
-          <a:blip r:embed="rId2">
+        <p:blipFill rotWithShape="1">
+          <a:blip r:embed="rId2" cstate="print">
             <a:extLst>
               <a:ext uri="{28A0092B-C50C-407E-A947-70E740481C1C}">
                 <a14:useLocalDpi xmlns:a14="http://schemas.microsoft.com/office/drawing/2010/main" val="0"/>
               </a:ext>
             </a:extLst>
           </a:blip>
-          <a:stretch>
-            <a:fillRect/>
-          </a:stretch>
+          <a:srcRect t="15714"/>
+          <a:stretch/>
         </p:blipFill>
-        <p:spPr bwMode="auto">
-          <a:xfrm>
-            <a:off x="7218" y="116632"/>
-            <a:ext cx="12189600" cy="6856650"/>
+        <p:spPr>
+          <a:xfrm>
+            <a:off x="20" y="10"/>
+            <a:ext cx="12189580" cy="6857990"/>
           </a:xfrm>
           <a:prstGeom prst="rect">
             <a:avLst/>
           </a:prstGeom>
-          <a:solidFill>
-            <a:srgbClr val="FFFFFF"/>
-          </a:solidFill>
+          <a:noFill/>
         </p:spPr>
       </p:pic>
       <p:sp>
@@ -9288,45 +9332,46 @@
         </p:nvSpPr>
         <p:spPr>
           <a:xfrm>
-            <a:off x="7320136" y="274497"/>
-            <a:ext cx="4871864" cy="1195735"/>
-          </a:xfrm>
-        </p:spPr>
-        <p:txBody>
-          <a:bodyPr/>
+            <a:off x="0" y="-5400"/>
+            <a:ext cx="4871864" cy="1353600"/>
+          </a:xfrm>
+        </p:spPr>
+        <p:txBody>
+          <a:bodyPr anchor="b">
+            <a:normAutofit/>
+          </a:bodyPr>
           <a:lstStyle/>
           <a:p>
             <a:r>
-              <a:rPr lang="en-US" sz="3200" dirty="0"/>
+              <a:rPr lang="en-US" sz="2800" dirty="0"/>
               <a:t>DevOps</a:t>
             </a:r>
             <a:br>
-              <a:rPr lang="en-US" sz="3200" dirty="0"/>
+              <a:rPr lang="en-US" sz="2200" dirty="0"/>
             </a:br>
             <a:r>
-              <a:rPr lang="en-US" sz="1800" dirty="0" err="1"/>
+              <a:rPr lang="en-US" sz="2200" b="0" dirty="0" err="1"/>
               <a:t>Nettverk</a:t>
             </a:r>
             <a:r>
-              <a:rPr lang="en-US" sz="1800" dirty="0"/>
+              <a:rPr lang="en-US" sz="2200" b="0" dirty="0"/>
               <a:t> &amp; </a:t>
             </a:r>
             <a:r>
-              <a:rPr lang="en-US" sz="1800" dirty="0" err="1"/>
-              <a:t>Sikkerhet</a:t>
-            </a:r>
-            <a:r>
-              <a:rPr lang="en-US" sz="1800" dirty="0"/>
+              <a:rPr lang="en-US" sz="2200" b="0" dirty="0" err="1"/>
+              <a:t>Sikkerhets</a:t>
+            </a:r>
+            <a:r>
+              <a:rPr lang="en-US" sz="2200" b="0" dirty="0"/>
               <a:t> Community</a:t>
             </a:r>
             <a:br>
-              <a:rPr lang="en-US" sz="1800" dirty="0"/>
+              <a:rPr lang="en-US" sz="2200" b="0" dirty="0"/>
             </a:br>
             <a:r>
-              <a:rPr lang="en-US" sz="1800" dirty="0"/>
+              <a:rPr lang="en-US" sz="2200" b="0" dirty="0"/>
               <a:t>Ronny Talberg &amp; Egil Næss</a:t>
             </a:r>
-            <a:endParaRPr lang="en-US" sz="3200" dirty="0"/>
           </a:p>
         </p:txBody>
       </p:sp>
@@ -9348,24 +9393,31 @@
         </p:nvSpPr>
         <p:spPr>
           <a:xfrm>
-            <a:off x="7320136" y="1470232"/>
-            <a:ext cx="4871864" cy="386109"/>
-          </a:xfrm>
-        </p:spPr>
-        <p:txBody>
-          <a:bodyPr/>
+            <a:off x="0" y="1345502"/>
+            <a:ext cx="4871864" cy="1203576"/>
+          </a:xfrm>
+        </p:spPr>
+        <p:txBody>
+          <a:bodyPr wrap="square">
+            <a:normAutofit/>
+          </a:bodyPr>
           <a:lstStyle/>
           <a:p>
-            <a:r>
-              <a:rPr lang="en-US" sz="1400" dirty="0"/>
+            <a:pPr>
+              <a:spcAft>
+                <a:spcPts val="600"/>
+              </a:spcAft>
+            </a:pPr>
+            <a:r>
+              <a:rPr lang="en-US" sz="1800" dirty="0"/>
               <a:t>26. </a:t>
             </a:r>
             <a:r>
-              <a:rPr lang="en-US" sz="1400" dirty="0" err="1"/>
+              <a:rPr lang="en-US" sz="1800" dirty="0" err="1"/>
               <a:t>Februar</a:t>
             </a:r>
             <a:r>
-              <a:rPr lang="en-US" sz="1400" dirty="0"/>
+              <a:rPr lang="en-US" sz="1800" dirty="0"/>
               <a:t> 2021</a:t>
             </a:r>
           </a:p>
@@ -9373,10 +9425,10 @@
       </p:sp>
       <p:sp>
         <p:nvSpPr>
-          <p:cNvPr id="13" name="Text Placeholder 4">
+          <p:cNvPr id="20" name="Text Placeholder 4">
             <a:extLst>
               <a:ext uri="{FF2B5EF4-FFF2-40B4-BE49-F238E27FC236}">
-                <a16:creationId xmlns:a16="http://schemas.microsoft.com/office/drawing/2014/main" id="{F81447F9-5688-4483-97C3-34D64D890B67}"/>
+                <a16:creationId xmlns:a16="http://schemas.microsoft.com/office/drawing/2014/main" id="{0E130B7E-F885-42A2-B014-875D11764FB1}"/>
               </a:ext>
             </a:extLst>
           </p:cNvPr>
@@ -9403,10 +9455,10 @@
       </p:sp>
       <p:sp>
         <p:nvSpPr>
-          <p:cNvPr id="15" name="Footer Placeholder 5">
+          <p:cNvPr id="22" name="Footer Placeholder 5">
             <a:extLst>
               <a:ext uri="{FF2B5EF4-FFF2-40B4-BE49-F238E27FC236}">
-                <a16:creationId xmlns:a16="http://schemas.microsoft.com/office/drawing/2014/main" id="{66D5556A-8B17-4C04-9B1F-35C79A949FD7}"/>
+                <a16:creationId xmlns:a16="http://schemas.microsoft.com/office/drawing/2014/main" id="{1DB96F05-5AEF-4368-9393-3010BAD83A76}"/>
               </a:ext>
             </a:extLst>
           </p:cNvPr>
